--- a/presentation/VUEX.pptx
+++ b/presentation/VUEX.pptx
@@ -340,13 +340,13 @@
   <p:clrMapOvr>
     <a:masterClrMapping/>
   </p:clrMapOvr>
-  <mc:AlternateContent xmlns:mc="http://schemas.openxmlformats.org/markup-compatibility/2006">
-    <mc:Choice xmlns:p14="http://schemas.microsoft.com/office/powerpoint/2010/main" Requires="p14">
+  <mc:AlternateContent xmlns:mc="http://schemas.openxmlformats.org/markup-compatibility/2006" xmlns:p14="http://schemas.microsoft.com/office/powerpoint/2010/main">
+    <mc:Choice Requires="p14">
       <p:transition spd="med" p14:dur="700">
         <p:fade/>
       </p:transition>
     </mc:Choice>
-    <mc:Fallback>
+    <mc:Fallback xmlns="">
       <p:transition spd="med">
         <p:fade/>
       </p:transition>
@@ -550,13 +550,13 @@
   <p:clrMapOvr>
     <a:masterClrMapping/>
   </p:clrMapOvr>
-  <mc:AlternateContent xmlns:mc="http://schemas.openxmlformats.org/markup-compatibility/2006">
-    <mc:Choice xmlns:p14="http://schemas.microsoft.com/office/powerpoint/2010/main" Requires="p14">
+  <mc:AlternateContent xmlns:mc="http://schemas.openxmlformats.org/markup-compatibility/2006" xmlns:p14="http://schemas.microsoft.com/office/powerpoint/2010/main">
+    <mc:Choice Requires="p14">
       <p:transition spd="med" p14:dur="700">
         <p:fade/>
       </p:transition>
     </mc:Choice>
-    <mc:Fallback>
+    <mc:Fallback xmlns="">
       <p:transition spd="med">
         <p:fade/>
       </p:transition>
@@ -770,13 +770,13 @@
   <p:clrMapOvr>
     <a:masterClrMapping/>
   </p:clrMapOvr>
-  <mc:AlternateContent xmlns:mc="http://schemas.openxmlformats.org/markup-compatibility/2006">
-    <mc:Choice xmlns:p14="http://schemas.microsoft.com/office/powerpoint/2010/main" Requires="p14">
+  <mc:AlternateContent xmlns:mc="http://schemas.openxmlformats.org/markup-compatibility/2006" xmlns:p14="http://schemas.microsoft.com/office/powerpoint/2010/main">
+    <mc:Choice Requires="p14">
       <p:transition spd="med" p14:dur="700">
         <p:fade/>
       </p:transition>
     </mc:Choice>
-    <mc:Fallback>
+    <mc:Fallback xmlns="">
       <p:transition spd="med">
         <p:fade/>
       </p:transition>
@@ -980,13 +980,13 @@
   <p:clrMapOvr>
     <a:masterClrMapping/>
   </p:clrMapOvr>
-  <mc:AlternateContent xmlns:mc="http://schemas.openxmlformats.org/markup-compatibility/2006">
-    <mc:Choice xmlns:p14="http://schemas.microsoft.com/office/powerpoint/2010/main" Requires="p14">
+  <mc:AlternateContent xmlns:mc="http://schemas.openxmlformats.org/markup-compatibility/2006" xmlns:p14="http://schemas.microsoft.com/office/powerpoint/2010/main">
+    <mc:Choice Requires="p14">
       <p:transition spd="med" p14:dur="700">
         <p:fade/>
       </p:transition>
     </mc:Choice>
-    <mc:Fallback>
+    <mc:Fallback xmlns="">
       <p:transition spd="med">
         <p:fade/>
       </p:transition>
@@ -1267,13 +1267,13 @@
   <p:clrMapOvr>
     <a:masterClrMapping/>
   </p:clrMapOvr>
-  <mc:AlternateContent xmlns:mc="http://schemas.openxmlformats.org/markup-compatibility/2006">
-    <mc:Choice xmlns:p14="http://schemas.microsoft.com/office/powerpoint/2010/main" Requires="p14">
+  <mc:AlternateContent xmlns:mc="http://schemas.openxmlformats.org/markup-compatibility/2006" xmlns:p14="http://schemas.microsoft.com/office/powerpoint/2010/main">
+    <mc:Choice Requires="p14">
       <p:transition spd="med" p14:dur="700">
         <p:fade/>
       </p:transition>
     </mc:Choice>
-    <mc:Fallback>
+    <mc:Fallback xmlns="">
       <p:transition spd="med">
         <p:fade/>
       </p:transition>
@@ -1544,13 +1544,13 @@
   <p:clrMapOvr>
     <a:masterClrMapping/>
   </p:clrMapOvr>
-  <mc:AlternateContent xmlns:mc="http://schemas.openxmlformats.org/markup-compatibility/2006">
-    <mc:Choice xmlns:p14="http://schemas.microsoft.com/office/powerpoint/2010/main" Requires="p14">
+  <mc:AlternateContent xmlns:mc="http://schemas.openxmlformats.org/markup-compatibility/2006" xmlns:p14="http://schemas.microsoft.com/office/powerpoint/2010/main">
+    <mc:Choice Requires="p14">
       <p:transition spd="med" p14:dur="700">
         <p:fade/>
       </p:transition>
     </mc:Choice>
-    <mc:Fallback>
+    <mc:Fallback xmlns="">
       <p:transition spd="med">
         <p:fade/>
       </p:transition>
@@ -1968,13 +1968,13 @@
   <p:clrMapOvr>
     <a:masterClrMapping/>
   </p:clrMapOvr>
-  <mc:AlternateContent xmlns:mc="http://schemas.openxmlformats.org/markup-compatibility/2006">
-    <mc:Choice xmlns:p14="http://schemas.microsoft.com/office/powerpoint/2010/main" Requires="p14">
+  <mc:AlternateContent xmlns:mc="http://schemas.openxmlformats.org/markup-compatibility/2006" xmlns:p14="http://schemas.microsoft.com/office/powerpoint/2010/main">
+    <mc:Choice Requires="p14">
       <p:transition spd="med" p14:dur="700">
         <p:fade/>
       </p:transition>
     </mc:Choice>
-    <mc:Fallback>
+    <mc:Fallback xmlns="">
       <p:transition spd="med">
         <p:fade/>
       </p:transition>
@@ -2121,13 +2121,13 @@
   <p:clrMapOvr>
     <a:masterClrMapping/>
   </p:clrMapOvr>
-  <mc:AlternateContent xmlns:mc="http://schemas.openxmlformats.org/markup-compatibility/2006">
-    <mc:Choice xmlns:p14="http://schemas.microsoft.com/office/powerpoint/2010/main" Requires="p14">
+  <mc:AlternateContent xmlns:mc="http://schemas.openxmlformats.org/markup-compatibility/2006" xmlns:p14="http://schemas.microsoft.com/office/powerpoint/2010/main">
+    <mc:Choice Requires="p14">
       <p:transition spd="med" p14:dur="700">
         <p:fade/>
       </p:transition>
     </mc:Choice>
-    <mc:Fallback>
+    <mc:Fallback xmlns="">
       <p:transition spd="med">
         <p:fade/>
       </p:transition>
@@ -2246,13 +2246,13 @@
   <p:clrMapOvr>
     <a:masterClrMapping/>
   </p:clrMapOvr>
-  <mc:AlternateContent xmlns:mc="http://schemas.openxmlformats.org/markup-compatibility/2006">
-    <mc:Choice xmlns:p14="http://schemas.microsoft.com/office/powerpoint/2010/main" Requires="p14">
+  <mc:AlternateContent xmlns:mc="http://schemas.openxmlformats.org/markup-compatibility/2006" xmlns:p14="http://schemas.microsoft.com/office/powerpoint/2010/main">
+    <mc:Choice Requires="p14">
       <p:transition spd="med" p14:dur="700">
         <p:fade/>
       </p:transition>
     </mc:Choice>
-    <mc:Fallback>
+    <mc:Fallback xmlns="">
       <p:transition spd="med">
         <p:fade/>
       </p:transition>
@@ -2569,13 +2569,13 @@
   <p:clrMapOvr>
     <a:masterClrMapping/>
   </p:clrMapOvr>
-  <mc:AlternateContent xmlns:mc="http://schemas.openxmlformats.org/markup-compatibility/2006">
-    <mc:Choice xmlns:p14="http://schemas.microsoft.com/office/powerpoint/2010/main" Requires="p14">
+  <mc:AlternateContent xmlns:mc="http://schemas.openxmlformats.org/markup-compatibility/2006" xmlns:p14="http://schemas.microsoft.com/office/powerpoint/2010/main">
+    <mc:Choice Requires="p14">
       <p:transition spd="med" p14:dur="700">
         <p:fade/>
       </p:transition>
     </mc:Choice>
-    <mc:Fallback>
+    <mc:Fallback xmlns="">
       <p:transition spd="med">
         <p:fade/>
       </p:transition>
@@ -2869,13 +2869,13 @@
   <p:clrMapOvr>
     <a:masterClrMapping/>
   </p:clrMapOvr>
-  <mc:AlternateContent xmlns:mc="http://schemas.openxmlformats.org/markup-compatibility/2006">
-    <mc:Choice xmlns:p14="http://schemas.microsoft.com/office/powerpoint/2010/main" Requires="p14">
+  <mc:AlternateContent xmlns:mc="http://schemas.openxmlformats.org/markup-compatibility/2006" xmlns:p14="http://schemas.microsoft.com/office/powerpoint/2010/main">
+    <mc:Choice Requires="p14">
       <p:transition spd="med" p14:dur="700">
         <p:fade/>
       </p:transition>
     </mc:Choice>
-    <mc:Fallback>
+    <mc:Fallback xmlns="">
       <p:transition spd="med">
         <p:fade/>
       </p:transition>
@@ -3169,13 +3169,13 @@
     <p:sldLayoutId id="2147483658" r:id="rId10"/>
     <p:sldLayoutId id="2147483659" r:id="rId11"/>
   </p:sldLayoutIdLst>
-  <mc:AlternateContent xmlns:mc="http://schemas.openxmlformats.org/markup-compatibility/2006">
-    <mc:Choice xmlns:p14="http://schemas.microsoft.com/office/powerpoint/2010/main" Requires="p14">
+  <mc:AlternateContent xmlns:mc="http://schemas.openxmlformats.org/markup-compatibility/2006" xmlns:p14="http://schemas.microsoft.com/office/powerpoint/2010/main">
+    <mc:Choice Requires="p14">
       <p:transition spd="med" p14:dur="700">
         <p:fade/>
       </p:transition>
     </mc:Choice>
-    <mc:Fallback>
+    <mc:Fallback xmlns="">
       <p:transition spd="med">
         <p:fade/>
       </p:transition>
@@ -3792,13 +3792,13 @@
   <p:clrMapOvr>
     <a:masterClrMapping/>
   </p:clrMapOvr>
-  <mc:AlternateContent xmlns:mc="http://schemas.openxmlformats.org/markup-compatibility/2006">
-    <mc:Choice xmlns:p14="http://schemas.microsoft.com/office/powerpoint/2010/main" Requires="p14">
+  <mc:AlternateContent xmlns:mc="http://schemas.openxmlformats.org/markup-compatibility/2006" xmlns:p14="http://schemas.microsoft.com/office/powerpoint/2010/main">
+    <mc:Choice Requires="p14">
       <p:transition spd="med" p14:dur="700">
         <p:fade/>
       </p:transition>
     </mc:Choice>
-    <mc:Fallback>
+    <mc:Fallback xmlns="">
       <p:transition spd="med">
         <p:fade/>
       </p:transition>
@@ -4111,13 +4111,13 @@
   <p:clrMapOvr>
     <a:masterClrMapping/>
   </p:clrMapOvr>
-  <mc:AlternateContent xmlns:mc="http://schemas.openxmlformats.org/markup-compatibility/2006">
-    <mc:Choice xmlns:p14="http://schemas.microsoft.com/office/powerpoint/2010/main" Requires="p14">
+  <mc:AlternateContent xmlns:mc="http://schemas.openxmlformats.org/markup-compatibility/2006" xmlns:p14="http://schemas.microsoft.com/office/powerpoint/2010/main">
+    <mc:Choice Requires="p14">
       <p:transition spd="med" p14:dur="700">
         <p:fade/>
       </p:transition>
     </mc:Choice>
-    <mc:Fallback>
+    <mc:Fallback xmlns="">
       <p:transition spd="med">
         <p:fade/>
       </p:transition>
@@ -4270,13 +4270,13 @@
   <p:clrMapOvr>
     <a:masterClrMapping/>
   </p:clrMapOvr>
-  <mc:AlternateContent xmlns:mc="http://schemas.openxmlformats.org/markup-compatibility/2006">
-    <mc:Choice xmlns:p14="http://schemas.microsoft.com/office/powerpoint/2010/main" Requires="p14">
+  <mc:AlternateContent xmlns:mc="http://schemas.openxmlformats.org/markup-compatibility/2006" xmlns:p14="http://schemas.microsoft.com/office/powerpoint/2010/main">
+    <mc:Choice Requires="p14">
       <p:transition spd="med" p14:dur="700">
         <p:fade/>
       </p:transition>
     </mc:Choice>
-    <mc:Fallback>
+    <mc:Fallback xmlns="">
       <p:transition spd="med">
         <p:fade/>
       </p:transition>
@@ -4469,13 +4469,13 @@
   <p:clrMapOvr>
     <a:masterClrMapping/>
   </p:clrMapOvr>
-  <mc:AlternateContent xmlns:mc="http://schemas.openxmlformats.org/markup-compatibility/2006">
-    <mc:Choice xmlns:p14="http://schemas.microsoft.com/office/powerpoint/2010/main" Requires="p14">
+  <mc:AlternateContent xmlns:mc="http://schemas.openxmlformats.org/markup-compatibility/2006" xmlns:p14="http://schemas.microsoft.com/office/powerpoint/2010/main">
+    <mc:Choice Requires="p14">
       <p:transition spd="med" p14:dur="700">
         <p:fade/>
       </p:transition>
     </mc:Choice>
-    <mc:Fallback>
+    <mc:Fallback xmlns="">
       <p:transition spd="med">
         <p:fade/>
       </p:transition>
@@ -4611,13 +4611,13 @@
   <p:clrMapOvr>
     <a:masterClrMapping/>
   </p:clrMapOvr>
-  <mc:AlternateContent xmlns:mc="http://schemas.openxmlformats.org/markup-compatibility/2006">
-    <mc:Choice xmlns:p14="http://schemas.microsoft.com/office/powerpoint/2010/main" Requires="p14">
+  <mc:AlternateContent xmlns:mc="http://schemas.openxmlformats.org/markup-compatibility/2006" xmlns:p14="http://schemas.microsoft.com/office/powerpoint/2010/main">
+    <mc:Choice Requires="p14">
       <p:transition spd="med" p14:dur="700">
         <p:fade/>
       </p:transition>
     </mc:Choice>
-    <mc:Fallback>
+    <mc:Fallback xmlns="">
       <p:transition spd="med">
         <p:fade/>
       </p:transition>
@@ -4759,13 +4759,13 @@
   <p:clrMapOvr>
     <a:masterClrMapping/>
   </p:clrMapOvr>
-  <mc:AlternateContent xmlns:mc="http://schemas.openxmlformats.org/markup-compatibility/2006">
-    <mc:Choice xmlns:p14="http://schemas.microsoft.com/office/powerpoint/2010/main" Requires="p14">
+  <mc:AlternateContent xmlns:mc="http://schemas.openxmlformats.org/markup-compatibility/2006" xmlns:p14="http://schemas.microsoft.com/office/powerpoint/2010/main">
+    <mc:Choice Requires="p14">
       <p:transition spd="med" p14:dur="700">
         <p:fade/>
       </p:transition>
     </mc:Choice>
-    <mc:Fallback>
+    <mc:Fallback xmlns="">
       <p:transition spd="med">
         <p:fade/>
       </p:transition>
@@ -5931,13 +5931,13 @@
   <p:clrMapOvr>
     <a:masterClrMapping/>
   </p:clrMapOvr>
-  <mc:AlternateContent xmlns:mc="http://schemas.openxmlformats.org/markup-compatibility/2006">
-    <mc:Choice xmlns:p14="http://schemas.microsoft.com/office/powerpoint/2010/main" Requires="p14">
+  <mc:AlternateContent xmlns:mc="http://schemas.openxmlformats.org/markup-compatibility/2006" xmlns:p14="http://schemas.microsoft.com/office/powerpoint/2010/main">
+    <mc:Choice Requires="p14">
       <p:transition spd="med" p14:dur="700">
         <p:fade/>
       </p:transition>
     </mc:Choice>
-    <mc:Fallback>
+    <mc:Fallback xmlns="">
       <p:transition spd="med">
         <p:fade/>
       </p:transition>
@@ -7866,13 +7866,13 @@
   <p:clrMapOvr>
     <a:masterClrMapping/>
   </p:clrMapOvr>
-  <mc:AlternateContent xmlns:mc="http://schemas.openxmlformats.org/markup-compatibility/2006">
-    <mc:Choice xmlns:p14="http://schemas.microsoft.com/office/powerpoint/2010/main" Requires="p14">
+  <mc:AlternateContent xmlns:mc="http://schemas.openxmlformats.org/markup-compatibility/2006" xmlns:p14="http://schemas.microsoft.com/office/powerpoint/2010/main">
+    <mc:Choice Requires="p14">
       <p:transition spd="med" p14:dur="700">
         <p:fade/>
       </p:transition>
     </mc:Choice>
-    <mc:Fallback>
+    <mc:Fallback xmlns="">
       <p:transition spd="med">
         <p:fade/>
       </p:transition>
@@ -9365,13 +9365,13 @@
   <p:clrMapOvr>
     <a:masterClrMapping/>
   </p:clrMapOvr>
-  <mc:AlternateContent xmlns:mc="http://schemas.openxmlformats.org/markup-compatibility/2006">
-    <mc:Choice xmlns:p14="http://schemas.microsoft.com/office/powerpoint/2010/main" Requires="p14">
+  <mc:AlternateContent xmlns:mc="http://schemas.openxmlformats.org/markup-compatibility/2006" xmlns:p14="http://schemas.microsoft.com/office/powerpoint/2010/main">
+    <mc:Choice Requires="p14">
       <p:transition spd="med" p14:dur="700">
         <p:fade/>
       </p:transition>
     </mc:Choice>
-    <mc:Fallback>
+    <mc:Fallback xmlns="">
       <p:transition spd="med">
         <p:fade/>
       </p:transition>
@@ -11134,13 +11134,13 @@
   <p:clrMapOvr>
     <a:masterClrMapping/>
   </p:clrMapOvr>
-  <mc:AlternateContent xmlns:mc="http://schemas.openxmlformats.org/markup-compatibility/2006">
-    <mc:Choice xmlns:p14="http://schemas.microsoft.com/office/powerpoint/2010/main" Requires="p14">
+  <mc:AlternateContent xmlns:mc="http://schemas.openxmlformats.org/markup-compatibility/2006" xmlns:p14="http://schemas.microsoft.com/office/powerpoint/2010/main">
+    <mc:Choice Requires="p14">
       <p:transition spd="med" p14:dur="700">
         <p:fade/>
       </p:transition>
     </mc:Choice>
-    <mc:Fallback>
+    <mc:Fallback xmlns="">
       <p:transition spd="med">
         <p:fade/>
       </p:transition>
@@ -13071,7 +13071,23 @@
                   <a:srgbClr val="25B172"/>
                 </a:solidFill>
               </a:rPr>
-              <a:t>    Getters: </a:t>
+              <a:t>    </a:t>
+            </a:r>
+            <a:r>
+              <a:rPr lang="de-DE" sz="3200">
+                <a:solidFill>
+                  <a:srgbClr val="25B172"/>
+                </a:solidFill>
+              </a:rPr>
+              <a:t>getters</a:t>
+            </a:r>
+            <a:r>
+              <a:rPr lang="de-DE" sz="3200" dirty="0">
+                <a:solidFill>
+                  <a:srgbClr val="25B172"/>
+                </a:solidFill>
+              </a:rPr>
+              <a:t>: </a:t>
             </a:r>
             <a:r>
               <a:rPr lang="de-DE" sz="3200" dirty="0">
@@ -13376,13 +13392,13 @@
   <p:clrMapOvr>
     <a:masterClrMapping/>
   </p:clrMapOvr>
-  <mc:AlternateContent xmlns:mc="http://schemas.openxmlformats.org/markup-compatibility/2006">
-    <mc:Choice xmlns:p14="http://schemas.microsoft.com/office/powerpoint/2010/main" Requires="p14">
+  <mc:AlternateContent xmlns:mc="http://schemas.openxmlformats.org/markup-compatibility/2006" xmlns:p14="http://schemas.microsoft.com/office/powerpoint/2010/main">
+    <mc:Choice Requires="p14">
       <p:transition spd="med" p14:dur="700">
         <p:fade/>
       </p:transition>
     </mc:Choice>
-    <mc:Fallback>
+    <mc:Fallback xmlns="">
       <p:transition spd="med">
         <p:fade/>
       </p:transition>
@@ -13736,13 +13752,13 @@
   <p:clrMapOvr>
     <a:masterClrMapping/>
   </p:clrMapOvr>
-  <mc:AlternateContent xmlns:mc="http://schemas.openxmlformats.org/markup-compatibility/2006">
-    <mc:Choice xmlns:p14="http://schemas.microsoft.com/office/powerpoint/2010/main" Requires="p14">
+  <mc:AlternateContent xmlns:mc="http://schemas.openxmlformats.org/markup-compatibility/2006" xmlns:p14="http://schemas.microsoft.com/office/powerpoint/2010/main">
+    <mc:Choice Requires="p14">
       <p:transition spd="med" p14:dur="700">
         <p:fade/>
       </p:transition>
     </mc:Choice>
-    <mc:Fallback>
+    <mc:Fallback xmlns="">
       <p:transition spd="med">
         <p:fade/>
       </p:transition>
